--- a/课程ppt/WP SDK开发指南3.pptx
+++ b/课程ppt/WP SDK开发指南3.pptx
@@ -5,7 +5,7 @@
     <p:sldMasterId id="2147483648" r:id="rId1"/>
   </p:sldMasterIdLst>
   <p:notesMasterIdLst>
-    <p:notesMasterId r:id="rId9"/>
+    <p:notesMasterId r:id="rId10"/>
   </p:notesMasterIdLst>
   <p:sldIdLst>
     <p:sldId id="256" r:id="rId2"/>
@@ -14,7 +14,8 @@
     <p:sldId id="341" r:id="rId5"/>
     <p:sldId id="344" r:id="rId6"/>
     <p:sldId id="261" r:id="rId7"/>
-    <p:sldId id="259" r:id="rId8"/>
+    <p:sldId id="347" r:id="rId8"/>
+    <p:sldId id="259" r:id="rId9"/>
   </p:sldIdLst>
   <p:sldSz cx="9144000" cy="6858000" type="screen4x3"/>
   <p:notesSz cx="6858000" cy="9144000"/>
@@ -253,7 +254,7 @@
               <a:pPr>
                 <a:defRPr/>
               </a:pPr>
-              <a:t>2014/10/28</a:t>
+              <a:t>2014/10/30</a:t>
             </a:fld>
             <a:endParaRPr lang="zh-CN" altLang="en-US"/>
           </a:p>
@@ -1611,7 +1612,7 @@
               <a:pPr>
                 <a:defRPr/>
               </a:pPr>
-              <a:t>2014/10/28</a:t>
+              <a:t>2014/10/30</a:t>
             </a:fld>
             <a:endParaRPr lang="zh-CN" altLang="en-US"/>
           </a:p>
@@ -1910,7 +1911,7 @@
               <a:pPr>
                 <a:defRPr/>
               </a:pPr>
-              <a:t>2014/10/28</a:t>
+              <a:t>2014/10/30</a:t>
             </a:fld>
             <a:endParaRPr lang="zh-CN" altLang="en-US"/>
           </a:p>
@@ -2206,7 +2207,7 @@
               <a:pPr>
                 <a:defRPr/>
               </a:pPr>
-              <a:t>2014/10/28</a:t>
+              <a:t>2014/10/30</a:t>
             </a:fld>
             <a:endParaRPr lang="zh-CN" altLang="en-US"/>
           </a:p>
@@ -2418,7 +2419,7 @@
               <a:pPr>
                 <a:defRPr/>
               </a:pPr>
-              <a:t>2014/10/28</a:t>
+              <a:t>2014/10/30</a:t>
             </a:fld>
             <a:endParaRPr lang="zh-CN" altLang="en-US"/>
           </a:p>
@@ -2711,7 +2712,7 @@
               <a:pPr>
                 <a:defRPr/>
               </a:pPr>
-              <a:t>2014/10/28</a:t>
+              <a:t>2014/10/30</a:t>
             </a:fld>
             <a:endParaRPr lang="zh-CN" altLang="en-US"/>
           </a:p>
@@ -3266,6 +3267,58 @@
           </a:p>
         </p:txBody>
       </p:sp>
+      <p:sp>
+        <p:nvSpPr>
+          <p:cNvPr id="2" name="文本框 1"/>
+          <p:cNvSpPr txBox="1"/>
+          <p:nvPr/>
+        </p:nvSpPr>
+        <p:spPr>
+          <a:xfrm>
+            <a:off x="3527884" y="5229200"/>
+            <a:ext cx="2088232" cy="523220"/>
+          </a:xfrm>
+          <a:prstGeom prst="rect">
+            <a:avLst/>
+          </a:prstGeom>
+          <a:noFill/>
+        </p:spPr>
+        <p:txBody>
+          <a:bodyPr wrap="square" rtlCol="0" anchor="ctr">
+            <a:spAutoFit/>
+          </a:bodyPr>
+          <a:lstStyle/>
+          <a:p>
+            <a:r>
+              <a:rPr lang="en-US" altLang="zh-CN" sz="2800" dirty="0" smtClean="0">
+                <a:solidFill>
+                  <a:schemeClr val="accent1"/>
+                </a:solidFill>
+                <a:latin typeface="微软雅黑" panose="020B0503020204020204" pitchFamily="34" charset="-122"/>
+                <a:ea typeface="微软雅黑" panose="020B0503020204020204" pitchFamily="34" charset="-122"/>
+              </a:rPr>
+              <a:t>POI</a:t>
+            </a:r>
+            <a:r>
+              <a:rPr lang="zh-CN" altLang="en-US" sz="2800" dirty="0" smtClean="0">
+                <a:solidFill>
+                  <a:schemeClr val="accent1"/>
+                </a:solidFill>
+                <a:latin typeface="微软雅黑" panose="020B0503020204020204" pitchFamily="34" charset="-122"/>
+                <a:ea typeface="微软雅黑" panose="020B0503020204020204" pitchFamily="34" charset="-122"/>
+              </a:rPr>
+              <a:t>点搜索</a:t>
+            </a:r>
+            <a:endParaRPr lang="zh-CN" altLang="en-US" sz="2800" dirty="0">
+              <a:solidFill>
+                <a:schemeClr val="accent1"/>
+              </a:solidFill>
+              <a:latin typeface="微软雅黑" panose="020B0503020204020204" pitchFamily="34" charset="-122"/>
+              <a:ea typeface="微软雅黑" panose="020B0503020204020204" pitchFamily="34" charset="-122"/>
+            </a:endParaRPr>
+          </a:p>
+        </p:txBody>
+      </p:sp>
     </p:spTree>
   </p:cSld>
   <p:clrMapOvr>
@@ -3345,8 +3398,8 @@
         </p:blipFill>
         <p:spPr>
           <a:xfrm>
-            <a:off x="1601354" y="980728"/>
-            <a:ext cx="5979479" cy="5328592"/>
+            <a:off x="1582261" y="908720"/>
+            <a:ext cx="5979479" cy="5040560"/>
           </a:xfrm>
           <a:prstGeom prst="rect">
             <a:avLst/>
@@ -3630,6 +3683,34 @@
           </a:p>
         </p:txBody>
       </p:sp>
+      <p:sp>
+        <p:nvSpPr>
+          <p:cNvPr id="9" name="标题 2"/>
+          <p:cNvSpPr>
+            <a:spLocks noGrp="1"/>
+          </p:cNvSpPr>
+          <p:nvPr>
+            <p:ph type="title"/>
+          </p:nvPr>
+        </p:nvSpPr>
+        <p:spPr>
+          <a:xfrm>
+            <a:off x="755576" y="332656"/>
+            <a:ext cx="7848872" cy="432048"/>
+          </a:xfrm>
+        </p:spPr>
+        <p:txBody>
+          <a:bodyPr/>
+          <a:lstStyle/>
+          <a:p>
+            <a:r>
+              <a:rPr lang="zh-CN" altLang="en-US" dirty="0" smtClean="0"/>
+              <a:t>搜索方式</a:t>
+            </a:r>
+            <a:endParaRPr lang="zh-CN" altLang="en-US" dirty="0"/>
+          </a:p>
+        </p:txBody>
+      </p:sp>
     </p:spTree>
     <p:extLst>
       <p:ext uri="{BB962C8B-B14F-4D97-AF65-F5344CB8AC3E}">
@@ -3919,16 +4000,6 @@
             <a:endParaRPr lang="en-US" altLang="zh-CN" dirty="0" smtClean="0"/>
           </a:p>
           <a:p>
-            <a:pPr eaLnBrk="1" hangingPunct="1">
-              <a:defRPr/>
-            </a:pPr>
-            <a:r>
-              <a:rPr lang="zh-CN" altLang="en-US" dirty="0" smtClean="0"/>
-              <a:t>就这么多！</a:t>
-            </a:r>
-            <a:endParaRPr lang="en-US" altLang="zh-CN" dirty="0" smtClean="0"/>
-          </a:p>
-          <a:p>
             <a:pPr marL="0" indent="0" eaLnBrk="1" hangingPunct="1">
               <a:buFont typeface="Wingdings" panose="05000000000000000000" pitchFamily="2" charset="2"/>
               <a:buNone/>
@@ -3967,7 +4038,6 @@
               <a:rPr lang="zh-CN" altLang="en-US" dirty="0" smtClean="0"/>
               <a:t>带贝爷去吃麦当劳！</a:t>
             </a:r>
-            <a:endParaRPr lang="zh-CN" altLang="en-US" dirty="0" smtClean="0"/>
           </a:p>
         </p:txBody>
       </p:sp>
@@ -3987,6 +4057,109 @@
 </file>
 
 <file path=ppt/slides/slide7.xml><?xml version="1.0" encoding="utf-8"?>
+<p:sld xmlns:a="http://schemas.openxmlformats.org/drawingml/2006/main" xmlns:r="http://schemas.openxmlformats.org/officeDocument/2006/relationships" xmlns:p="http://schemas.openxmlformats.org/presentationml/2006/main">
+  <p:cSld>
+    <p:spTree>
+      <p:nvGrpSpPr>
+        <p:cNvPr id="1" name=""/>
+        <p:cNvGrpSpPr/>
+        <p:nvPr/>
+      </p:nvGrpSpPr>
+      <p:grpSpPr>
+        <a:xfrm>
+          <a:off x="0" y="0"/>
+          <a:ext cx="0" cy="0"/>
+          <a:chOff x="0" y="0"/>
+          <a:chExt cx="0" cy="0"/>
+        </a:xfrm>
+      </p:grpSpPr>
+      <p:sp>
+        <p:nvSpPr>
+          <p:cNvPr id="3" name="标题 2"/>
+          <p:cNvSpPr>
+            <a:spLocks noGrp="1"/>
+          </p:cNvSpPr>
+          <p:nvPr>
+            <p:ph type="title"/>
+          </p:nvPr>
+        </p:nvSpPr>
+        <p:spPr/>
+        <p:txBody>
+          <a:bodyPr/>
+          <a:lstStyle/>
+          <a:p>
+            <a:r>
+              <a:rPr lang="zh-CN" altLang="en-US" dirty="0" smtClean="0"/>
+              <a:t>作业</a:t>
+            </a:r>
+            <a:endParaRPr lang="zh-CN" altLang="en-US" dirty="0"/>
+          </a:p>
+        </p:txBody>
+      </p:sp>
+      <p:sp>
+        <p:nvSpPr>
+          <p:cNvPr id="4" name="文本框 3"/>
+          <p:cNvSpPr txBox="1"/>
+          <p:nvPr/>
+        </p:nvSpPr>
+        <p:spPr>
+          <a:xfrm>
+            <a:off x="755576" y="2828836"/>
+            <a:ext cx="7848872" cy="1200329"/>
+          </a:xfrm>
+          <a:prstGeom prst="rect">
+            <a:avLst/>
+          </a:prstGeom>
+          <a:noFill/>
+        </p:spPr>
+        <p:txBody>
+          <a:bodyPr wrap="square" rtlCol="0">
+            <a:spAutoFit/>
+          </a:bodyPr>
+          <a:lstStyle/>
+          <a:p>
+            <a:r>
+              <a:rPr lang="zh-CN" altLang="en-US" sz="3600" dirty="0" smtClean="0">
+                <a:latin typeface="微软雅黑" panose="020B0503020204020204" pitchFamily="34" charset="-122"/>
+                <a:ea typeface="微软雅黑" panose="020B0503020204020204" pitchFamily="34" charset="-122"/>
+              </a:rPr>
+              <a:t>贝爷想吃</a:t>
+            </a:r>
+            <a:r>
+              <a:rPr lang="en-US" altLang="zh-CN" sz="3600" dirty="0" smtClean="0">
+                <a:latin typeface="微软雅黑" panose="020B0503020204020204" pitchFamily="34" charset="-122"/>
+                <a:ea typeface="微软雅黑" panose="020B0503020204020204" pitchFamily="34" charset="-122"/>
+              </a:rPr>
+              <a:t>KFC</a:t>
+            </a:r>
+            <a:r>
+              <a:rPr lang="zh-CN" altLang="en-US" sz="3600" dirty="0" smtClean="0">
+                <a:latin typeface="微软雅黑" panose="020B0503020204020204" pitchFamily="34" charset="-122"/>
+                <a:ea typeface="微软雅黑" panose="020B0503020204020204" pitchFamily="34" charset="-122"/>
+              </a:rPr>
+              <a:t>了这次，仿照例子帮他搜索下把，可以试试改变搜索方式</a:t>
+            </a:r>
+            <a:endParaRPr lang="zh-CN" altLang="en-US" sz="3600" dirty="0">
+              <a:latin typeface="微软雅黑" panose="020B0503020204020204" pitchFamily="34" charset="-122"/>
+              <a:ea typeface="微软雅黑" panose="020B0503020204020204" pitchFamily="34" charset="-122"/>
+            </a:endParaRPr>
+          </a:p>
+        </p:txBody>
+      </p:sp>
+    </p:spTree>
+    <p:extLst>
+      <p:ext uri="{BB962C8B-B14F-4D97-AF65-F5344CB8AC3E}">
+        <p14:creationId xmlns:p14="http://schemas.microsoft.com/office/powerpoint/2010/main" val="1137156981"/>
+      </p:ext>
+    </p:extLst>
+  </p:cSld>
+  <p:clrMapOvr>
+    <a:masterClrMapping/>
+  </p:clrMapOvr>
+</p:sld>
+</file>
+
+<file path=ppt/slides/slide8.xml><?xml version="1.0" encoding="utf-8"?>
 <p:sld xmlns:a="http://schemas.openxmlformats.org/drawingml/2006/main" xmlns:r="http://schemas.openxmlformats.org/officeDocument/2006/relationships" xmlns:p="http://schemas.openxmlformats.org/presentationml/2006/main">
   <p:cSld>
     <p:spTree>
